--- a/Python3/1.Python3-基础.pptx
+++ b/Python3/1.Python3-基础.pptx
@@ -10224,7 +10224,7 @@
             </a:endParaRPr>
           </a:p>
           <a:p>
-            <a:pPr algn="l"/>
+            <a:pPr indent="457200" algn="l" eaLnBrk="1" latinLnBrk="0" hangingPunct="1"/>
             <a:r>
               <a:rPr lang="zh-CN" altLang="en-US"/>
               <a:t>我们已经讲过了， 字符串也是一种数据类型， 但是， 字符串比较特殊的是还有一个编码问题。</a:t>
@@ -10376,7 +10376,7 @@
             </a:endParaRPr>
           </a:p>
           <a:p>
-            <a:pPr algn="l"/>
+            <a:pPr indent="457200" algn="l" eaLnBrk="1" latinLnBrk="0" hangingPunct="1"/>
             <a:r>
               <a:rPr lang="zh-CN" altLang="en-US"/>
               <a:t>在最新的Python 3版本中， 字符串是以Unicode编码的， 也就是说， Python的字符串支持多语言。</a:t>
@@ -10384,7 +10384,7 @@
             <a:endParaRPr lang="zh-CN" altLang="en-US"/>
           </a:p>
           <a:p>
-            <a:pPr algn="l"/>
+            <a:pPr indent="457200" algn="l" eaLnBrk="1" latinLnBrk="0" hangingPunct="1"/>
             <a:r>
               <a:rPr lang="zh-CN" altLang="en-US"/>
               <a:t>对于单个字符的编码， Python提供了 ord() 函数获取字符的整数表示， chr() 函数把编码转换为对应的字符。</a:t>
@@ -10392,7 +10392,7 @@
             <a:endParaRPr lang="zh-CN" altLang="en-US"/>
           </a:p>
           <a:p>
-            <a:pPr algn="l"/>
+            <a:pPr indent="457200" algn="l" eaLnBrk="1" latinLnBrk="0" hangingPunct="1"/>
             <a:r>
               <a:rPr lang="zh-CN" altLang="en-US"/>
               <a:t>由于Python的字符串类型是 str ， 在内存中以Unicode表示， 一个字符对应若干个字节。 如果要在网络上传输， 或者保存到磁盘上， 就需要把 str 变为以字节为单位的 bytes 。</a:t>
@@ -10400,7 +10400,7 @@
             <a:endParaRPr lang="zh-CN" altLang="en-US"/>
           </a:p>
           <a:p>
-            <a:pPr algn="l"/>
+            <a:pPr indent="457200" algn="l" eaLnBrk="1" latinLnBrk="0" hangingPunct="1"/>
             <a:r>
               <a:rPr lang="zh-CN" altLang="en-US"/>
               <a:t>Python对 bytes 类型的数据用带 b 前缀的单引号或双引号表示。</a:t>
@@ -10528,7 +10528,7 @@
             </a:endParaRPr>
           </a:p>
           <a:p>
-            <a:pPr algn="l"/>
+            <a:pPr indent="457200" algn="l" eaLnBrk="1" latinLnBrk="0" hangingPunct="1"/>
             <a:r>
               <a:rPr lang="zh-CN" altLang="en-US"/>
               <a:t>在Python中， 采用的格式化方式和C语言是一致的， 用 % 实现， 举例如下：</a:t>
@@ -10538,8 +10538,16 @@
           <a:p>
             <a:pPr algn="l"/>
             <a:r>
+              <a:rPr lang="zh-CN" altLang="en-US">
+                <a:solidFill>
+                  <a:srgbClr val="92D050"/>
+                </a:solidFill>
+              </a:rPr>
+              <a:t>&gt;&gt;&gt;</a:t>
+            </a:r>
+            <a:r>
               <a:rPr lang="zh-CN" altLang="en-US"/>
-              <a:t>&gt;&gt;&gt; 'Hello, %s' % 'world'</a:t>
+              <a:t> 'Hello, %s' % 'world'</a:t>
             </a:r>
             <a:endParaRPr lang="zh-CN" altLang="en-US"/>
           </a:p>
@@ -10554,8 +10562,16 @@
           <a:p>
             <a:pPr algn="l"/>
             <a:r>
+              <a:rPr lang="zh-CN" altLang="en-US">
+                <a:solidFill>
+                  <a:srgbClr val="92D050"/>
+                </a:solidFill>
+              </a:rPr>
+              <a:t>&gt;&gt;&gt;</a:t>
+            </a:r>
+            <a:r>
               <a:rPr lang="zh-CN" altLang="en-US"/>
-              <a:t>&gt;&gt;&gt; 'Hi, %s, you have $%d.' % ('Michael', 1000000)</a:t>
+              <a:t> 'Hi, %s, you have $%d.' % ('Michael', 1000000)</a:t>
             </a:r>
             <a:endParaRPr lang="zh-CN" altLang="en-US"/>
           </a:p>
@@ -10597,13 +10613,37 @@
           <a:chExt cx="0" cy="0"/>
         </a:xfrm>
       </p:grpSpPr>
+      <p:pic>
+        <p:nvPicPr>
+          <p:cNvPr id="3" name="图片 2"/>
+          <p:cNvPicPr>
+            <a:picLocks noChangeAspect="1"/>
+          </p:cNvPicPr>
+          <p:nvPr/>
+        </p:nvPicPr>
+        <p:blipFill>
+          <a:blip r:embed="rId1"/>
+          <a:stretch>
+            <a:fillRect/>
+          </a:stretch>
+        </p:blipFill>
+        <p:spPr>
+          <a:xfrm>
+            <a:off x="5952490" y="1384935"/>
+            <a:ext cx="2505710" cy="4823460"/>
+          </a:xfrm>
+          <a:prstGeom prst="rect">
+            <a:avLst/>
+          </a:prstGeom>
+        </p:spPr>
+      </p:pic>
       <p:sp>
         <p:nvSpPr>
           <p:cNvPr id="8" name="标题 1"/>
           <p:cNvSpPr txBox="1"/>
           <p:nvPr>
             <p:custDataLst>
-              <p:tags r:id="rId1"/>
+              <p:tags r:id="rId2"/>
             </p:custDataLst>
           </p:nvPr>
         </p:nvSpPr>
@@ -10690,101 +10730,131 @@
           <a:p>
             <a:pPr algn="l"/>
             <a:r>
-              <a:rPr lang="zh-CN" altLang="en-US"/>
+              <a:rPr lang="zh-CN" altLang="en-US">
+                <a:latin typeface="Source Code Pro" panose="020B0509030403020204" charset="0"/>
+                <a:cs typeface="Source Code Pro" panose="020B0509030403020204" charset="0"/>
+              </a:rPr>
               <a:t>age = 3</a:t>
             </a:r>
-            <a:endParaRPr lang="zh-CN" altLang="en-US"/>
+            <a:endParaRPr lang="zh-CN" altLang="en-US">
+              <a:latin typeface="Source Code Pro" panose="020B0509030403020204" charset="0"/>
+              <a:cs typeface="Source Code Pro" panose="020B0509030403020204" charset="0"/>
+            </a:endParaRPr>
           </a:p>
           <a:p>
             <a:pPr algn="l"/>
             <a:r>
-              <a:rPr lang="zh-CN" altLang="en-US"/>
+              <a:rPr lang="zh-CN" altLang="en-US">
+                <a:latin typeface="Source Code Pro" panose="020B0509030403020204" charset="0"/>
+                <a:cs typeface="Source Code Pro" panose="020B0509030403020204" charset="0"/>
+              </a:rPr>
               <a:t>if age &gt;= 18:</a:t>
             </a:r>
-            <a:endParaRPr lang="zh-CN" altLang="en-US"/>
+            <a:endParaRPr lang="zh-CN" altLang="en-US">
+              <a:latin typeface="Source Code Pro" panose="020B0509030403020204" charset="0"/>
+              <a:cs typeface="Source Code Pro" panose="020B0509030403020204" charset="0"/>
+            </a:endParaRPr>
           </a:p>
           <a:p>
             <a:pPr algn="l"/>
             <a:r>
-              <a:rPr lang="zh-CN" altLang="en-US"/>
+              <a:rPr lang="zh-CN" altLang="en-US">
+                <a:latin typeface="Source Code Pro" panose="020B0509030403020204" charset="0"/>
+                <a:cs typeface="Source Code Pro" panose="020B0509030403020204" charset="0"/>
+              </a:rPr>
               <a:t>    print('your age is', age)</a:t>
             </a:r>
-            <a:endParaRPr lang="zh-CN" altLang="en-US"/>
+            <a:endParaRPr lang="zh-CN" altLang="en-US">
+              <a:latin typeface="Source Code Pro" panose="020B0509030403020204" charset="0"/>
+              <a:cs typeface="Source Code Pro" panose="020B0509030403020204" charset="0"/>
+            </a:endParaRPr>
           </a:p>
           <a:p>
             <a:pPr algn="l"/>
             <a:r>
-              <a:rPr lang="zh-CN" altLang="en-US"/>
+              <a:rPr lang="zh-CN" altLang="en-US">
+                <a:latin typeface="Source Code Pro" panose="020B0509030403020204" charset="0"/>
+                <a:cs typeface="Source Code Pro" panose="020B0509030403020204" charset="0"/>
+              </a:rPr>
               <a:t>    print('adult')</a:t>
             </a:r>
-            <a:endParaRPr lang="zh-CN" altLang="en-US"/>
+            <a:endParaRPr lang="zh-CN" altLang="en-US">
+              <a:latin typeface="Source Code Pro" panose="020B0509030403020204" charset="0"/>
+              <a:cs typeface="Source Code Pro" panose="020B0509030403020204" charset="0"/>
+            </a:endParaRPr>
           </a:p>
           <a:p>
             <a:pPr algn="l"/>
             <a:r>
-              <a:rPr lang="zh-CN" altLang="en-US"/>
+              <a:rPr lang="zh-CN" altLang="en-US">
+                <a:latin typeface="Source Code Pro" panose="020B0509030403020204" charset="0"/>
+                <a:cs typeface="Source Code Pro" panose="020B0509030403020204" charset="0"/>
+              </a:rPr>
               <a:t>elif age &gt;= 6:</a:t>
             </a:r>
-            <a:endParaRPr lang="zh-CN" altLang="en-US"/>
+            <a:endParaRPr lang="zh-CN" altLang="en-US">
+              <a:latin typeface="Source Code Pro" panose="020B0509030403020204" charset="0"/>
+              <a:cs typeface="Source Code Pro" panose="020B0509030403020204" charset="0"/>
+            </a:endParaRPr>
           </a:p>
           <a:p>
             <a:pPr algn="l"/>
             <a:r>
-              <a:rPr lang="zh-CN" altLang="en-US"/>
+              <a:rPr lang="zh-CN" altLang="en-US">
+                <a:latin typeface="Source Code Pro" panose="020B0509030403020204" charset="0"/>
+                <a:cs typeface="Source Code Pro" panose="020B0509030403020204" charset="0"/>
+              </a:rPr>
               <a:t>    print('teenager')</a:t>
             </a:r>
-            <a:endParaRPr lang="zh-CN" altLang="en-US"/>
+            <a:endParaRPr lang="zh-CN" altLang="en-US">
+              <a:latin typeface="Source Code Pro" panose="020B0509030403020204" charset="0"/>
+              <a:cs typeface="Source Code Pro" panose="020B0509030403020204" charset="0"/>
+            </a:endParaRPr>
           </a:p>
           <a:p>
             <a:pPr algn="l"/>
             <a:r>
-              <a:rPr lang="zh-CN" altLang="en-US"/>
+              <a:rPr lang="zh-CN" altLang="en-US">
+                <a:latin typeface="Source Code Pro" panose="020B0509030403020204" charset="0"/>
+                <a:cs typeface="Source Code Pro" panose="020B0509030403020204" charset="0"/>
+              </a:rPr>
               <a:t>else:</a:t>
             </a:r>
-            <a:endParaRPr lang="zh-CN" altLang="en-US"/>
+            <a:endParaRPr lang="zh-CN" altLang="en-US">
+              <a:latin typeface="Source Code Pro" panose="020B0509030403020204" charset="0"/>
+              <a:cs typeface="Source Code Pro" panose="020B0509030403020204" charset="0"/>
+            </a:endParaRPr>
           </a:p>
           <a:p>
             <a:pPr algn="l"/>
             <a:r>
-              <a:rPr lang="zh-CN" altLang="en-US"/>
+              <a:rPr lang="zh-CN" altLang="en-US">
+                <a:latin typeface="Source Code Pro" panose="020B0509030403020204" charset="0"/>
+                <a:cs typeface="Source Code Pro" panose="020B0509030403020204" charset="0"/>
+              </a:rPr>
               <a:t>    print('your age is', age)</a:t>
             </a:r>
-            <a:endParaRPr lang="zh-CN" altLang="en-US"/>
+            <a:endParaRPr lang="zh-CN" altLang="en-US">
+              <a:latin typeface="Source Code Pro" panose="020B0509030403020204" charset="0"/>
+              <a:cs typeface="Source Code Pro" panose="020B0509030403020204" charset="0"/>
+            </a:endParaRPr>
           </a:p>
           <a:p>
             <a:pPr algn="l"/>
             <a:r>
-              <a:rPr lang="zh-CN" altLang="en-US"/>
+              <a:rPr lang="zh-CN" altLang="en-US">
+                <a:latin typeface="Source Code Pro" panose="020B0509030403020204" charset="0"/>
+                <a:cs typeface="Source Code Pro" panose="020B0509030403020204" charset="0"/>
+              </a:rPr>
               <a:t>    print('teenager')</a:t>
             </a:r>
-            <a:endParaRPr lang="zh-CN" altLang="en-US"/>
-          </a:p>
-        </p:txBody>
-      </p:sp>
-      <p:pic>
-        <p:nvPicPr>
-          <p:cNvPr id="3" name="图片 2"/>
-          <p:cNvPicPr>
-            <a:picLocks noChangeAspect="1"/>
-          </p:cNvPicPr>
-          <p:nvPr/>
-        </p:nvPicPr>
-        <p:blipFill>
-          <a:blip r:embed="rId2"/>
-          <a:stretch>
-            <a:fillRect/>
-          </a:stretch>
-        </p:blipFill>
-        <p:spPr>
-          <a:xfrm>
-            <a:off x="5752465" y="1384935"/>
-            <a:ext cx="2505710" cy="4823460"/>
-          </a:xfrm>
-          <a:prstGeom prst="rect">
-            <a:avLst/>
-          </a:prstGeom>
-        </p:spPr>
-      </p:pic>
+            <a:endParaRPr lang="zh-CN" altLang="en-US">
+              <a:latin typeface="Source Code Pro" panose="020B0509030403020204" charset="0"/>
+              <a:cs typeface="Source Code Pro" panose="020B0509030403020204" charset="0"/>
+            </a:endParaRPr>
+          </a:p>
+        </p:txBody>
+      </p:sp>
     </p:spTree>
     <p:custDataLst>
       <p:tags r:id="rId3"/>
@@ -10930,34 +11000,58 @@
           <a:p>
             <a:pPr algn="l"/>
             <a:r>
-              <a:rPr lang="zh-CN" altLang="en-US"/>
+              <a:rPr lang="zh-CN" altLang="en-US">
+                <a:latin typeface="Source Code Pro" panose="020B0509030403020204" charset="0"/>
+                <a:cs typeface="Source Code Pro" panose="020B0509030403020204" charset="0"/>
+              </a:rPr>
               <a:t>sum = 0</a:t>
             </a:r>
-            <a:endParaRPr lang="zh-CN" altLang="en-US"/>
+            <a:endParaRPr lang="zh-CN" altLang="en-US">
+              <a:latin typeface="Source Code Pro" panose="020B0509030403020204" charset="0"/>
+              <a:cs typeface="Source Code Pro" panose="020B0509030403020204" charset="0"/>
+            </a:endParaRPr>
           </a:p>
           <a:p>
             <a:pPr algn="l"/>
             <a:r>
-              <a:rPr lang="zh-CN" altLang="en-US"/>
+              <a:rPr lang="zh-CN" altLang="en-US">
+                <a:latin typeface="Source Code Pro" panose="020B0509030403020204" charset="0"/>
+                <a:cs typeface="Source Code Pro" panose="020B0509030403020204" charset="0"/>
+              </a:rPr>
               <a:t>for x in range(101):</a:t>
             </a:r>
-            <a:endParaRPr lang="zh-CN" altLang="en-US"/>
+            <a:endParaRPr lang="zh-CN" altLang="en-US">
+              <a:latin typeface="Source Code Pro" panose="020B0509030403020204" charset="0"/>
+              <a:cs typeface="Source Code Pro" panose="020B0509030403020204" charset="0"/>
+            </a:endParaRPr>
           </a:p>
           <a:p>
             <a:pPr algn="l"/>
             <a:r>
-              <a:rPr lang="zh-CN" altLang="en-US"/>
+              <a:rPr lang="zh-CN" altLang="en-US">
+                <a:latin typeface="Source Code Pro" panose="020B0509030403020204" charset="0"/>
+                <a:cs typeface="Source Code Pro" panose="020B0509030403020204" charset="0"/>
+              </a:rPr>
               <a:t>    sum = sum + x</a:t>
             </a:r>
-            <a:endParaRPr lang="zh-CN" altLang="en-US"/>
+            <a:endParaRPr lang="zh-CN" altLang="en-US">
+              <a:latin typeface="Source Code Pro" panose="020B0509030403020204" charset="0"/>
+              <a:cs typeface="Source Code Pro" panose="020B0509030403020204" charset="0"/>
+            </a:endParaRPr>
           </a:p>
           <a:p>
             <a:pPr algn="l"/>
             <a:r>
-              <a:rPr lang="zh-CN" altLang="en-US"/>
+              <a:rPr lang="zh-CN" altLang="en-US">
+                <a:latin typeface="Source Code Pro" panose="020B0509030403020204" charset="0"/>
+                <a:cs typeface="Source Code Pro" panose="020B0509030403020204" charset="0"/>
+              </a:rPr>
               <a:t>print(sum)</a:t>
             </a:r>
-            <a:endParaRPr lang="zh-CN" altLang="en-US"/>
+            <a:endParaRPr lang="zh-CN" altLang="en-US">
+              <a:latin typeface="Source Code Pro" panose="020B0509030403020204" charset="0"/>
+              <a:cs typeface="Source Code Pro" panose="020B0509030403020204" charset="0"/>
+            </a:endParaRPr>
           </a:p>
           <a:p>
             <a:pPr algn="l"/>
@@ -10982,50 +11076,86 @@
           <a:p>
             <a:pPr algn="l"/>
             <a:r>
-              <a:rPr lang="zh-CN" altLang="en-US"/>
+              <a:rPr lang="zh-CN" altLang="en-US">
+                <a:latin typeface="Source Code Pro" panose="020B0509030403020204" charset="0"/>
+                <a:cs typeface="Source Code Pro" panose="020B0509030403020204" charset="0"/>
+              </a:rPr>
               <a:t>sum = 0</a:t>
             </a:r>
-            <a:endParaRPr lang="zh-CN" altLang="en-US"/>
+            <a:endParaRPr lang="zh-CN" altLang="en-US">
+              <a:latin typeface="Source Code Pro" panose="020B0509030403020204" charset="0"/>
+              <a:cs typeface="Source Code Pro" panose="020B0509030403020204" charset="0"/>
+            </a:endParaRPr>
           </a:p>
           <a:p>
             <a:pPr algn="l"/>
             <a:r>
-              <a:rPr lang="zh-CN" altLang="en-US"/>
+              <a:rPr lang="zh-CN" altLang="en-US">
+                <a:latin typeface="Source Code Pro" panose="020B0509030403020204" charset="0"/>
+                <a:cs typeface="Source Code Pro" panose="020B0509030403020204" charset="0"/>
+              </a:rPr>
               <a:t>n = 99</a:t>
             </a:r>
-            <a:endParaRPr lang="zh-CN" altLang="en-US"/>
+            <a:endParaRPr lang="zh-CN" altLang="en-US">
+              <a:latin typeface="Source Code Pro" panose="020B0509030403020204" charset="0"/>
+              <a:cs typeface="Source Code Pro" panose="020B0509030403020204" charset="0"/>
+            </a:endParaRPr>
           </a:p>
           <a:p>
             <a:pPr algn="l"/>
             <a:r>
-              <a:rPr lang="zh-CN" altLang="en-US"/>
+              <a:rPr lang="zh-CN" altLang="en-US">
+                <a:latin typeface="Source Code Pro" panose="020B0509030403020204" charset="0"/>
+                <a:cs typeface="Source Code Pro" panose="020B0509030403020204" charset="0"/>
+              </a:rPr>
               <a:t>while n &gt; 0:</a:t>
             </a:r>
-            <a:endParaRPr lang="zh-CN" altLang="en-US"/>
+            <a:endParaRPr lang="zh-CN" altLang="en-US">
+              <a:latin typeface="Source Code Pro" panose="020B0509030403020204" charset="0"/>
+              <a:cs typeface="Source Code Pro" panose="020B0509030403020204" charset="0"/>
+            </a:endParaRPr>
           </a:p>
           <a:p>
             <a:pPr algn="l"/>
             <a:r>
-              <a:rPr lang="zh-CN" altLang="en-US"/>
+              <a:rPr lang="zh-CN" altLang="en-US">
+                <a:latin typeface="Source Code Pro" panose="020B0509030403020204" charset="0"/>
+                <a:cs typeface="Source Code Pro" panose="020B0509030403020204" charset="0"/>
+              </a:rPr>
               <a:t>    sum = sum + n</a:t>
             </a:r>
-            <a:endParaRPr lang="zh-CN" altLang="en-US"/>
+            <a:endParaRPr lang="zh-CN" altLang="en-US">
+              <a:latin typeface="Source Code Pro" panose="020B0509030403020204" charset="0"/>
+              <a:cs typeface="Source Code Pro" panose="020B0509030403020204" charset="0"/>
+            </a:endParaRPr>
           </a:p>
           <a:p>
             <a:pPr algn="l"/>
             <a:r>
-              <a:rPr lang="zh-CN" altLang="en-US"/>
+              <a:rPr lang="zh-CN" altLang="en-US">
+                <a:latin typeface="Source Code Pro" panose="020B0509030403020204" charset="0"/>
+                <a:cs typeface="Source Code Pro" panose="020B0509030403020204" charset="0"/>
+              </a:rPr>
               <a:t>    n = n - 2</a:t>
             </a:r>
-            <a:endParaRPr lang="zh-CN" altLang="en-US"/>
+            <a:endParaRPr lang="zh-CN" altLang="en-US">
+              <a:latin typeface="Source Code Pro" panose="020B0509030403020204" charset="0"/>
+              <a:cs typeface="Source Code Pro" panose="020B0509030403020204" charset="0"/>
+            </a:endParaRPr>
           </a:p>
           <a:p>
             <a:pPr algn="l"/>
             <a:r>
-              <a:rPr lang="zh-CN" altLang="en-US"/>
+              <a:rPr lang="zh-CN" altLang="en-US">
+                <a:latin typeface="Source Code Pro" panose="020B0509030403020204" charset="0"/>
+                <a:cs typeface="Source Code Pro" panose="020B0509030403020204" charset="0"/>
+              </a:rPr>
               <a:t>print(sum)</a:t>
             </a:r>
-            <a:endParaRPr lang="zh-CN" altLang="en-US"/>
+            <a:endParaRPr lang="zh-CN" altLang="en-US">
+              <a:latin typeface="Source Code Pro" panose="020B0509030403020204" charset="0"/>
+              <a:cs typeface="Source Code Pro" panose="020B0509030403020204" charset="0"/>
+            </a:endParaRPr>
           </a:p>
         </p:txBody>
       </p:sp>
@@ -11148,7 +11278,7 @@
             </a:endParaRPr>
           </a:p>
           <a:p>
-            <a:pPr algn="l"/>
+            <a:pPr indent="457200" algn="l" eaLnBrk="1" latinLnBrk="0" hangingPunct="1"/>
             <a:r>
               <a:rPr lang="zh-CN" altLang="en-US"/>
               <a:t>Python内置的一种数据类型是列表：list。 </a:t>
@@ -11156,7 +11286,7 @@
             <a:endParaRPr lang="zh-CN" altLang="en-US"/>
           </a:p>
           <a:p>
-            <a:pPr algn="l"/>
+            <a:pPr indent="457200" algn="l" eaLnBrk="1" latinLnBrk="0" hangingPunct="1"/>
             <a:r>
               <a:rPr lang="zh-CN" altLang="en-US"/>
               <a:t>list是一种有序的集合， 可以随时添加和删除其中的元素。</a:t>
@@ -11164,7 +11294,7 @@
             <a:endParaRPr lang="zh-CN" altLang="en-US"/>
           </a:p>
           <a:p>
-            <a:pPr algn="l"/>
+            <a:pPr indent="457200" algn="l" eaLnBrk="1" latinLnBrk="0" hangingPunct="1"/>
             <a:r>
               <a:rPr lang="en-US" altLang="zh-CN"/>
               <a:t>list</a:t>
@@ -11300,7 +11430,7 @@
             </a:endParaRPr>
           </a:p>
           <a:p>
-            <a:pPr algn="l"/>
+            <a:pPr indent="457200" algn="l" eaLnBrk="1" latinLnBrk="0" hangingPunct="1"/>
             <a:r>
               <a:rPr lang="zh-CN" altLang="en-US"/>
               <a:t>tuple和list非常类似， 但是tuple一旦初始化就不能修改。</a:t>
@@ -11308,7 +11438,7 @@
             <a:endParaRPr lang="zh-CN" altLang="en-US"/>
           </a:p>
           <a:p>
-            <a:pPr algn="l"/>
+            <a:pPr indent="457200" algn="l" eaLnBrk="1" latinLnBrk="0" hangingPunct="1"/>
             <a:r>
               <a:rPr lang="zh-CN" altLang="en-US"/>
               <a:t>但是注意一点，他指向的元素不变，但是指向元素的内容是可变的。</a:t>
@@ -11316,7 +11446,7 @@
             <a:endParaRPr lang="zh-CN" altLang="en-US"/>
           </a:p>
           <a:p>
-            <a:pPr algn="l"/>
+            <a:pPr indent="457200" algn="l" eaLnBrk="1" latinLnBrk="0" hangingPunct="1"/>
             <a:r>
               <a:rPr lang="zh-CN" altLang="en-US"/>
               <a:t>定义只包含一个元素的元组，</a:t>
@@ -11448,7 +11578,7 @@
             </a:endParaRPr>
           </a:p>
           <a:p>
-            <a:pPr algn="l"/>
+            <a:pPr indent="457200" algn="l" eaLnBrk="1" latinLnBrk="0" hangingPunct="1"/>
             <a:r>
               <a:rPr lang="zh-CN" altLang="en-US"/>
               <a:t>Python内置了字典：dict的支持， dict全称dictionary， 在其他语言中也称为map，使用键-值（key-value） 存储， 具有极快的查找速度。</a:t>
@@ -11616,7 +11746,7 @@
             </a:endParaRPr>
           </a:p>
           <a:p>
-            <a:pPr algn="l"/>
+            <a:pPr indent="457200" algn="l" eaLnBrk="1" latinLnBrk="0" hangingPunct="1"/>
             <a:r>
               <a:rPr lang="zh-CN" altLang="en-US"/>
               <a:t>set和dict类似， 也是一组key的集合， 但不存储value。 由于key不能重复， 所以， 在set中， 没有重复的key。</a:t>
@@ -11862,7 +11992,7 @@
             <a:endParaRPr lang="zh-CN" altLang="en-US"/>
           </a:p>
           <a:p>
-            <a:pPr algn="l"/>
+            <a:pPr indent="457200" algn="l" eaLnBrk="1" latinLnBrk="0" hangingPunct="1"/>
             <a:r>
               <a:rPr lang="zh-CN" altLang="en-US"/>
               <a:t>Python可以处理任意大小的整数， 当然包括负整数， 在程序中的表示方法和数学上的写法一模一样， 例如： 1 ， 100 ， -8080 ， 0 ， 等等。</a:t>
@@ -11870,7 +12000,7 @@
             <a:endParaRPr lang="zh-CN" altLang="en-US"/>
           </a:p>
           <a:p>
-            <a:pPr algn="l"/>
+            <a:pPr indent="457200" algn="l" eaLnBrk="1" latinLnBrk="0" hangingPunct="1"/>
             <a:r>
               <a:rPr lang="zh-CN" altLang="en-US"/>
               <a:t>计算机由于使用二进制， 所以， 有时候用十六进制表示整数比较方便， 十六进制用 0x 前缀和0-9， a-f表示， 例如： 0xff00 ， 0xa5b4c3d2 ， 等等。</a:t>
@@ -11998,7 +12128,7 @@
             </a:endParaRPr>
           </a:p>
           <a:p>
-            <a:pPr algn="l"/>
+            <a:pPr indent="457200" algn="l" eaLnBrk="1" latinLnBrk="0" hangingPunct="1"/>
             <a:r>
               <a:rPr lang="zh-CN" altLang="en-US"/>
               <a:t>浮点数也就是小数， 之所以称为浮点数， 是因为按照科学记数法表示时， 一个浮点数的小数点位置是可变的， 比如， 1.23x10</a:t>
@@ -12017,15 +12147,7 @@
             </a:r>
             <a:r>
               <a:rPr lang="zh-CN" altLang="en-US"/>
-              <a:t>是完全相等的。 浮点数可以用数学写法， 如 1.23 ， 3.14 ， -9.01 ， 等等。 但是对于很大或很小的浮点数， 就必须用科学计数法表示， 把10用e替代，</a:t>
-            </a:r>
-            <a:endParaRPr lang="zh-CN" altLang="en-US"/>
-          </a:p>
-          <a:p>
-            <a:pPr algn="l"/>
-            <a:r>
-              <a:rPr lang="zh-CN" altLang="en-US"/>
-              <a:t>1.23x10</a:t>
+              <a:t>是完全相等的。 浮点数可以用数学写法， 如 1.23 ， 3.14 ， -9.01 ， 等等。 但是对于很大或很小的浮点数， 就必须用科学计数法表示， 把10用e替代，1.23x10</a:t>
             </a:r>
             <a:r>
               <a:rPr lang="zh-CN" altLang="en-US" baseline="30000"/>
@@ -12038,7 +12160,7 @@
             <a:endParaRPr lang="zh-CN" altLang="en-US"/>
           </a:p>
           <a:p>
-            <a:pPr algn="l"/>
+            <a:pPr indent="457200" algn="l" eaLnBrk="1" latinLnBrk="0" hangingPunct="1"/>
             <a:r>
               <a:rPr lang="zh-CN" altLang="en-US"/>
               <a:t>整数和浮点数在计算机内部存储的方式是不同的， 整数运算永远是精确的（除法难道也是精确的？是的！） ， 而浮点数运算则可能会有四舍五入的误差。</a:t>
@@ -12178,7 +12300,7 @@
         <p:spPr>
           <a:xfrm>
             <a:off x="571500" y="2033905"/>
-            <a:ext cx="8050530" cy="4523105"/>
+            <a:ext cx="8050530" cy="4399915"/>
           </a:xfrm>
           <a:prstGeom prst="rect">
             <a:avLst/>
@@ -12206,23 +12328,15 @@
             </a:endParaRPr>
           </a:p>
           <a:p>
-            <a:pPr algn="l"/>
+            <a:pPr indent="457200" algn="l" eaLnBrk="1" latinLnBrk="0" hangingPunct="1"/>
             <a:r>
               <a:rPr lang="zh-CN" altLang="en-US"/>
-              <a:t>字符串是以单引号 ' 或双引号 " 括起来的任意文本， 比如 'abc' ， "xyz" 等等。 请注意， '' 或 "" 本身只是一种表示方式， 不是字符串的一部分， 因此， 字符串 'abc' 只有 a ， b ， c 这3个字符。 如果 ' 本身也是一个字符， 那就可以用 "" 括起来， 比如 "I'm OK" 包含的字符是 I ， ' ， m ， 空</a:t>
-            </a:r>
-            <a:endParaRPr lang="zh-CN" altLang="en-US"/>
-          </a:p>
-          <a:p>
-            <a:pPr algn="l"/>
-            <a:r>
-              <a:rPr lang="zh-CN" altLang="en-US"/>
-              <a:t>格， O ， K 这6个字符。</a:t>
-            </a:r>
-            <a:endParaRPr lang="zh-CN" altLang="en-US"/>
-          </a:p>
-          <a:p>
-            <a:pPr algn="l"/>
+              <a:t>字符串是以单引号 ' 或双引号 " 括起来的任意文本， 比如 'abc' ， "xyz" 等等。 请注意， '' 或 "" 本身只是一种表示方式， 不是字符串的一部分， 因此， 字符串 'abc' 只有 a ， b ， c 这3个字符。 如果 ' 本身也是一个字符， 那就可以用 "" 括起来， 比如 "I'm OK" 包含的字符是 I ， ' ， m ， 空格， O ， K 这6个字符。</a:t>
+            </a:r>
+            <a:endParaRPr lang="zh-CN" altLang="en-US"/>
+          </a:p>
+          <a:p>
+            <a:pPr indent="457200" algn="l" eaLnBrk="1" latinLnBrk="0" hangingPunct="1"/>
             <a:r>
               <a:rPr lang="zh-CN" altLang="en-US"/>
               <a:t>如果字符串内部既包含 ' 又包含 " 怎么办？可以用转义字符 \ 来标识， 比如：'</a:t>
@@ -12266,9 +12380,9 @@
             </a:endParaRPr>
           </a:p>
           <a:p>
-            <a:pPr algn="l"/>
-            <a:r>
-              <a:rPr lang="zh-CN" altLang="en-US">
+            <a:pPr indent="457200" algn="l" eaLnBrk="1" latinLnBrk="0" hangingPunct="1"/>
+            <a:r>
+              <a:rPr lang="zh-CN" altLang="en-US" sz="2000">
                 <a:solidFill>
                   <a:schemeClr val="tx1"/>
                 </a:solidFill>
@@ -12276,7 +12390,7 @@
               <a:t>转义字符 </a:t>
             </a:r>
             <a:r>
-              <a:rPr lang="zh-CN" altLang="en-US" b="1">
+              <a:rPr lang="zh-CN" altLang="en-US" sz="2000" b="1">
                 <a:solidFill>
                   <a:srgbClr val="FF0000"/>
                 </a:solidFill>
@@ -12284,7 +12398,7 @@
               <a:t>\</a:t>
             </a:r>
             <a:r>
-              <a:rPr lang="zh-CN" altLang="en-US">
+              <a:rPr lang="zh-CN" altLang="en-US" sz="2000">
                 <a:solidFill>
                   <a:srgbClr val="FF0000"/>
                 </a:solidFill>
@@ -12292,7 +12406,7 @@
               <a:t> </a:t>
             </a:r>
             <a:r>
-              <a:rPr lang="zh-CN" altLang="en-US">
+              <a:rPr lang="zh-CN" altLang="en-US" sz="2000">
                 <a:solidFill>
                   <a:schemeClr val="tx1"/>
                 </a:solidFill>
@@ -12300,7 +12414,7 @@
               <a:t>可以转义很多字符， 比如 </a:t>
             </a:r>
             <a:r>
-              <a:rPr lang="zh-CN" altLang="en-US" b="1">
+              <a:rPr lang="zh-CN" altLang="en-US" sz="2000" b="1">
                 <a:solidFill>
                   <a:srgbClr val="FF0000"/>
                 </a:solidFill>
@@ -12308,7 +12422,7 @@
               <a:t>\n</a:t>
             </a:r>
             <a:r>
-              <a:rPr lang="zh-CN" altLang="en-US">
+              <a:rPr lang="zh-CN" altLang="en-US" sz="2000">
                 <a:solidFill>
                   <a:schemeClr val="tx1"/>
                 </a:solidFill>
@@ -12316,7 +12430,7 @@
               <a:t> 表示换行， </a:t>
             </a:r>
             <a:r>
-              <a:rPr lang="zh-CN" altLang="en-US" b="1">
+              <a:rPr lang="zh-CN" altLang="en-US" sz="2000" b="1">
                 <a:solidFill>
                   <a:srgbClr val="FF0000"/>
                 </a:solidFill>
@@ -12324,7 +12438,7 @@
               <a:t>\t</a:t>
             </a:r>
             <a:r>
-              <a:rPr lang="zh-CN" altLang="en-US">
+              <a:rPr lang="zh-CN" altLang="en-US" sz="2000">
                 <a:solidFill>
                   <a:schemeClr val="tx1"/>
                 </a:solidFill>
@@ -12332,7 +12446,7 @@
               <a:t> 表示制表符， 字符 </a:t>
             </a:r>
             <a:r>
-              <a:rPr lang="zh-CN" altLang="en-US" b="1">
+              <a:rPr lang="zh-CN" altLang="en-US" sz="2000" b="1">
                 <a:solidFill>
                   <a:srgbClr val="FF0000"/>
                 </a:solidFill>
@@ -12340,7 +12454,7 @@
               <a:t>\</a:t>
             </a:r>
             <a:r>
-              <a:rPr lang="zh-CN" altLang="en-US">
+              <a:rPr lang="zh-CN" altLang="en-US" sz="2000">
                 <a:solidFill>
                   <a:schemeClr val="tx1"/>
                 </a:solidFill>
@@ -12348,7 +12462,7 @@
               <a:t> 本身也要转义， 所以 </a:t>
             </a:r>
             <a:r>
-              <a:rPr lang="zh-CN" altLang="en-US" b="1">
+              <a:rPr lang="zh-CN" altLang="en-US" sz="2000" b="1">
                 <a:solidFill>
                   <a:srgbClr val="FF0000"/>
                 </a:solidFill>
@@ -12356,7 +12470,7 @@
               <a:t>\\</a:t>
             </a:r>
             <a:r>
-              <a:rPr lang="zh-CN" altLang="en-US">
+              <a:rPr lang="zh-CN" altLang="en-US" sz="2000">
                 <a:solidFill>
                   <a:schemeClr val="tx1"/>
                 </a:solidFill>
@@ -12364,7 +12478,7 @@
               <a:t> 表示的字符就是 </a:t>
             </a:r>
             <a:r>
-              <a:rPr lang="zh-CN" altLang="en-US" b="1">
+              <a:rPr lang="zh-CN" altLang="en-US" sz="2000" b="1">
                 <a:solidFill>
                   <a:srgbClr val="FF0000"/>
                 </a:solidFill>
@@ -12372,14 +12486,14 @@
               <a:t>\</a:t>
             </a:r>
             <a:r>
-              <a:rPr lang="zh-CN" altLang="en-US">
+              <a:rPr lang="zh-CN" altLang="en-US" sz="2000">
                 <a:solidFill>
                   <a:schemeClr val="tx1"/>
                 </a:solidFill>
               </a:rPr>
               <a:t>。</a:t>
             </a:r>
-            <a:endParaRPr lang="zh-CN" altLang="en-US">
+            <a:endParaRPr lang="zh-CN" altLang="en-US" sz="2000">
               <a:solidFill>
                 <a:schemeClr val="tx1"/>
               </a:solidFill>
@@ -12506,7 +12620,7 @@
             </a:endParaRPr>
           </a:p>
           <a:p>
-            <a:pPr algn="l"/>
+            <a:pPr indent="457200" algn="l" eaLnBrk="1" latinLnBrk="0" hangingPunct="1"/>
             <a:r>
               <a:rPr lang="zh-CN" altLang="en-US"/>
               <a:t>布尔值和布尔代数的表示完全一致， 一个布尔值只有 True 、 False 两种值， 要么是 True ， 要么是 False ， 在Python中， 可以直接用 True 、 False 表示布尔值（请注意大小写） ， 也可以通过布尔运算计算出来。</a:t>
@@ -12514,7 +12628,7 @@
             <a:endParaRPr lang="zh-CN" altLang="en-US"/>
           </a:p>
           <a:p>
-            <a:pPr algn="l"/>
+            <a:pPr indent="457200" algn="l" eaLnBrk="1" latinLnBrk="0" hangingPunct="1"/>
             <a:r>
               <a:rPr lang="zh-CN" altLang="en-US"/>
               <a:t>布尔值可以用 and 、 or 和 not 运算。</a:t>
@@ -12642,7 +12756,7 @@
             </a:endParaRPr>
           </a:p>
           <a:p>
-            <a:pPr algn="l"/>
+            <a:pPr indent="457200" algn="l" eaLnBrk="1" latinLnBrk="0" hangingPunct="1"/>
             <a:r>
               <a:rPr lang="zh-CN" altLang="en-US"/>
               <a:t>空值是Python里一个特殊的值， 用 None 表示。 None 不能理解为 0 ， 因为 0 是有意义的， 而 None 是一个特殊的空值。</a:t>
@@ -12650,7 +12764,7 @@
             <a:endParaRPr lang="zh-CN" altLang="en-US"/>
           </a:p>
           <a:p>
-            <a:pPr algn="l"/>
+            <a:pPr indent="457200" algn="l" eaLnBrk="1" latinLnBrk="0" hangingPunct="1"/>
             <a:r>
               <a:rPr lang="zh-CN" altLang="en-US"/>
               <a:t>此外， Python还提供了列表、 字典等多种数据类型， 还允许创建自定义数据类型，我们后面会继续讲到。</a:t>
@@ -12778,7 +12892,7 @@
             </a:endParaRPr>
           </a:p>
           <a:p>
-            <a:pPr algn="l"/>
+            <a:pPr indent="457200" algn="l" eaLnBrk="1" latinLnBrk="0" hangingPunct="1"/>
             <a:r>
               <a:rPr lang="zh-CN" altLang="en-US"/>
               <a:t>变量的概念基本上和初中代数的方程变量是一致的， 只是在计算机程序中， 变量不仅可以是数字， 还可以是任意数据类型。</a:t>
@@ -12786,7 +12900,7 @@
             <a:endParaRPr lang="zh-CN" altLang="en-US"/>
           </a:p>
           <a:p>
-            <a:pPr algn="l"/>
+            <a:pPr indent="457200" algn="l" eaLnBrk="1" latinLnBrk="0" hangingPunct="1"/>
             <a:r>
               <a:rPr lang="zh-CN" altLang="en-US"/>
               <a:t>变量在程序中就是用一个变量名表示了， 变量名必须是</a:t>
@@ -12926,7 +13040,7 @@
             </a:endParaRPr>
           </a:p>
           <a:p>
-            <a:pPr algn="l"/>
+            <a:pPr indent="457200" algn="l" eaLnBrk="1" latinLnBrk="0" hangingPunct="1"/>
             <a:r>
               <a:rPr lang="zh-CN" altLang="en-US"/>
               <a:t>所谓常量就是不能变的变量， 比如常用的数学常数π就是一个常量。 在Python中，通常用全部大写的变量名表示常量。但事实上 PI 仍然是一个变量， Python根本没有任何机制保证 PI 不会被改变， 所以， 用全部大写的变量名表示常量只是一个习惯上的用法， 如果你一定要改变变量 PI 的值， 也没人能拦住你。</a:t>
